--- a/REKN.pptx
+++ b/REKN.pptx
@@ -20,7 +20,7 @@
     <p:sldId id="497" r:id="rId11"/>
     <p:sldId id="495" r:id="rId12"/>
     <p:sldId id="499" r:id="rId13"/>
-    <p:sldId id="500" r:id="rId14"/>
+    <p:sldId id="502" r:id="rId14"/>
     <p:sldId id="501" r:id="rId15"/>
   </p:sldIdLst>
   <p:sldSz cx="12192000" cy="6858000"/>
@@ -3952,7 +3952,7 @@
                 <a16:creationId xmlns:a16="http://schemas.microsoft.com/office/drawing/2014/main" id="{D4771268-CB57-404A-9271-370EB28F6090}"/>
               </a:ext>
               <a:ext uri="{C183D7F6-B498-43B3-948B-1728B52AA6E4}">
-                <adec:decorative xmlns:adec="http://schemas.microsoft.com/office/drawing/2017/decorative" xmlns="" val="1"/>
+                <adec:decorative xmlns="" xmlns:adec="http://schemas.microsoft.com/office/drawing/2017/decorative" val="1"/>
               </a:ext>
             </a:extLst>
           </p:cNvPr>
@@ -4378,10 +4378,15 @@
             <p:ph idx="1"/>
           </p:nvPr>
         </p:nvSpPr>
-        <p:spPr/>
+        <p:spPr>
+          <a:xfrm>
+            <a:off x="838200" y="1478071"/>
+            <a:ext cx="10515600" cy="4698892"/>
+          </a:xfrm>
+        </p:spPr>
         <p:txBody>
           <a:bodyPr>
-            <a:normAutofit fontScale="92500" lnSpcReduction="20000"/>
+            <a:normAutofit fontScale="77500" lnSpcReduction="20000"/>
           </a:bodyPr>
           <a:lstStyle/>
           <a:p>
@@ -4401,7 +4406,15 @@
             </a:pPr>
             <a:r>
               <a:rPr lang="en-US" dirty="0"/>
-              <a:t>Run the model with maximum allowable commercial harvest of females: 210,000 females harvested per year</a:t>
+              <a:t>Run the model with maximum </a:t>
+            </a:r>
+            <a:r>
+              <a:rPr lang="en-US" dirty="0" smtClean="0"/>
+              <a:t>proposed commercial </a:t>
+            </a:r>
+            <a:r>
+              <a:rPr lang="en-US" dirty="0"/>
+              <a:t>harvest of females: 210,000 females harvested per year</a:t>
             </a:r>
           </a:p>
           <a:p>
@@ -4411,13 +4424,20 @@
             </a:pPr>
             <a:r>
               <a:rPr lang="en-US" dirty="0"/>
-              <a:t>Run the model with 2 million females harvested each </a:t>
+              <a:t>Run the model with </a:t>
             </a:r>
             <a:r>
               <a:rPr lang="en-US" dirty="0" smtClean="0"/>
-              <a:t>year (much higher than maximum proposed harvest)</a:t>
-            </a:r>
-            <a:endParaRPr lang="en-US" dirty="0"/>
+              <a:t>1 </a:t>
+            </a:r>
+            <a:r>
+              <a:rPr lang="en-US" dirty="0"/>
+              <a:t>million females harvested each </a:t>
+            </a:r>
+            <a:r>
+              <a:rPr lang="en-US" dirty="0" smtClean="0"/>
+              <a:t>year (much higher than max proposed harvest)</a:t>
+            </a:r>
           </a:p>
           <a:p>
             <a:pPr marL="514350" indent="-514350">
@@ -4425,9 +4445,20 @@
               <a:buAutoNum type="arabicPeriod"/>
             </a:pPr>
             <a:r>
-              <a:rPr lang="en-US" dirty="0"/>
-              <a:t>Return female harvest to 210,000 females per year. What is the minimum mean-log recruitment value that allows female abundance to remain above 6 million over the next 50 years? </a:t>
-            </a:r>
+              <a:rPr lang="en-US" dirty="0" smtClean="0"/>
+              <a:t>What is the maximum sustainable harvest rate (number of females harvested per year) in this population? Note that you need to define what “sustainable” means here!</a:t>
+            </a:r>
+          </a:p>
+          <a:p>
+            <a:pPr marL="514350" indent="-514350">
+              <a:buFont typeface="+mj-lt"/>
+              <a:buAutoNum type="arabicPeriod"/>
+            </a:pPr>
+            <a:r>
+              <a:rPr lang="en-US" dirty="0" smtClean="0"/>
+              <a:t>Keeping the same harvest rate (maximum harvest rate identified above), run the model again with the average recruitment parameter cut in half. Is the population still sustainable?</a:t>
+            </a:r>
+            <a:endParaRPr lang="en-US" dirty="0"/>
           </a:p>
           <a:p>
             <a:pPr marL="0" indent="0">
@@ -4441,22 +4472,20 @@
             </a:pPr>
             <a:r>
               <a:rPr lang="en-US" i="1" dirty="0"/>
-              <a:t>Please work together to describe the results of your scenario tests. Do you think this population is likely to be resilient to the maximum allowable female harvest rates? Why or why not?</a:t>
-            </a:r>
-          </a:p>
-          <a:p>
-            <a:pPr marL="514350" indent="-514350">
-              <a:buFont typeface="+mj-lt"/>
-              <a:buAutoNum type="arabicPeriod"/>
-            </a:pPr>
-            <a:endParaRPr lang="en-US" dirty="0"/>
+              <a:t>Please work together to describe the results of your scenario tests. Do you think this population is likely to be resilient to the maximum allowable female harvest rates? Why or why not</a:t>
+            </a:r>
+            <a:r>
+              <a:rPr lang="en-US" i="1" dirty="0" smtClean="0"/>
+              <a:t>?</a:t>
+            </a:r>
+            <a:endParaRPr lang="en-US" i="1" dirty="0"/>
           </a:p>
         </p:txBody>
       </p:sp>
     </p:spTree>
     <p:extLst>
       <p:ext uri="{BB962C8B-B14F-4D97-AF65-F5344CB8AC3E}">
-        <p14:creationId xmlns:p14="http://schemas.microsoft.com/office/powerpoint/2010/main" val="1141193581"/>
+        <p14:creationId xmlns:p14="http://schemas.microsoft.com/office/powerpoint/2010/main" val="2355495059"/>
       </p:ext>
     </p:extLst>
   </p:cSld>
